--- a/files/teaching-resources/monmouthcollege-busi-201/BUSI201-LEC00.pptx
+++ b/files/teaching-resources/monmouthcollege-busi-201/BUSI201-LEC00.pptx
@@ -5,7 +5,7 @@
     <p:sldMasterId id="2147483720" r:id="rId1"/>
   </p:sldMasterIdLst>
   <p:notesMasterIdLst>
-    <p:notesMasterId r:id="rId22"/>
+    <p:notesMasterId r:id="rId24"/>
   </p:notesMasterIdLst>
   <p:sldIdLst>
     <p:sldId id="283" r:id="rId2"/>
@@ -15,19 +15,21 @@
     <p:sldId id="290" r:id="rId6"/>
     <p:sldId id="259" r:id="rId7"/>
     <p:sldId id="262" r:id="rId8"/>
-    <p:sldId id="273" r:id="rId9"/>
-    <p:sldId id="288" r:id="rId10"/>
-    <p:sldId id="263" r:id="rId11"/>
-    <p:sldId id="264" r:id="rId12"/>
-    <p:sldId id="265" r:id="rId13"/>
-    <p:sldId id="266" r:id="rId14"/>
-    <p:sldId id="281" r:id="rId15"/>
-    <p:sldId id="291" r:id="rId16"/>
-    <p:sldId id="292" r:id="rId17"/>
-    <p:sldId id="293" r:id="rId18"/>
+    <p:sldId id="296" r:id="rId9"/>
+    <p:sldId id="273" r:id="rId10"/>
+    <p:sldId id="288" r:id="rId11"/>
+    <p:sldId id="263" r:id="rId12"/>
+    <p:sldId id="264" r:id="rId13"/>
+    <p:sldId id="265" r:id="rId14"/>
+    <p:sldId id="266" r:id="rId15"/>
+    <p:sldId id="281" r:id="rId16"/>
+    <p:sldId id="291" r:id="rId17"/>
+    <p:sldId id="292" r:id="rId18"/>
     <p:sldId id="294" r:id="rId19"/>
-    <p:sldId id="295" r:id="rId20"/>
-    <p:sldId id="280" r:id="rId21"/>
+    <p:sldId id="293" r:id="rId20"/>
+    <p:sldId id="297" r:id="rId21"/>
+    <p:sldId id="295" r:id="rId22"/>
+    <p:sldId id="280" r:id="rId23"/>
   </p:sldIdLst>
   <p:sldSz cx="9144000" cy="6858000" type="screen4x3"/>
   <p:notesSz cx="6858000" cy="9144000"/>
@@ -216,7 +218,7 @@
           <a:p>
             <a:fld id="{0E0A6441-4E79-42FF-805B-86C90BDFD38D}" type="datetimeFigureOut">
               <a:rPr lang="en-US" smtClean="0"/>
-              <a:t>8/22/2023</a:t>
+              <a:t>8/23/2023</a:t>
             </a:fld>
             <a:endParaRPr lang="en-US"/>
           </a:p>
@@ -801,7 +803,7 @@
           <a:p>
             <a:fld id="{64A29054-221E-4755-818D-C35A08AFDBE7}" type="slidenum">
               <a:rPr lang="en-US" smtClean="0"/>
-              <a:t>19</a:t>
+              <a:t>21</a:t>
             </a:fld>
             <a:endParaRPr lang="en-US"/>
           </a:p>
@@ -4647,7 +4649,7 @@
           <p:cNvPr id="2" name="Title 1">
             <a:extLst>
               <a:ext uri="{FF2B5EF4-FFF2-40B4-BE49-F238E27FC236}">
-                <a16:creationId xmlns:a16="http://schemas.microsoft.com/office/drawing/2014/main" id="{776B09A4-5BC9-4EA8-C267-D3B26A49D07E}"/>
+                <a16:creationId xmlns:a16="http://schemas.microsoft.com/office/drawing/2014/main" id="{A6D4615C-3DF4-634F-DEB2-48BD7736E353}"/>
               </a:ext>
             </a:extLst>
           </p:cNvPr>
@@ -4660,111 +4662,155 @@
         </p:nvSpPr>
         <p:spPr/>
         <p:txBody>
-          <a:bodyPr/>
+          <a:bodyPr anchor="ctr"/>
           <a:lstStyle/>
           <a:p>
             <a:r>
               <a:rPr lang="en-US" dirty="0"/>
-              <a:t>Grades</a:t>
-            </a:r>
-          </a:p>
-        </p:txBody>
-      </p:sp>
-      <p:sp>
-        <p:nvSpPr>
-          <p:cNvPr id="3" name="Content Placeholder 2">
-            <a:extLst>
-              <a:ext uri="{FF2B5EF4-FFF2-40B4-BE49-F238E27FC236}">
-                <a16:creationId xmlns:a16="http://schemas.microsoft.com/office/drawing/2014/main" id="{97FEFFAF-3949-E82D-4583-E06DA22E7204}"/>
-              </a:ext>
-            </a:extLst>
-          </p:cNvPr>
-          <p:cNvSpPr>
-            <a:spLocks noGrp="1"/>
-          </p:cNvSpPr>
-          <p:nvPr>
-            <p:ph idx="1"/>
-          </p:nvPr>
-        </p:nvSpPr>
-        <p:spPr/>
-        <p:txBody>
-          <a:bodyPr>
-            <a:normAutofit/>
-          </a:bodyPr>
-          <a:lstStyle/>
-          <a:p>
-            <a:r>
+              <a:t>Availability</a:t>
+            </a:r>
+            <a:br>
               <a:rPr lang="en-US" dirty="0"/>
-              <a:t>Final letter grades based on </a:t>
-            </a:r>
-            <a:r>
-              <a:rPr lang="en-US" b="1" dirty="0"/>
-              <a:t>four factors</a:t>
-            </a:r>
+            </a:br>
             <a:r>
               <a:rPr lang="en-US" dirty="0"/>
-              <a:t>:</a:t>
-            </a:r>
-          </a:p>
-          <a:p>
-            <a:pPr lvl="1"/>
+              <a:t>Indicator</a:t>
+            </a:r>
+          </a:p>
+        </p:txBody>
+      </p:sp>
+      <p:pic>
+        <p:nvPicPr>
+          <p:cNvPr id="9" name="Picture Placeholder 8" descr="A sign on a wall&#10;&#10;Description automatically generated">
+            <a:extLst>
+              <a:ext uri="{FF2B5EF4-FFF2-40B4-BE49-F238E27FC236}">
+                <a16:creationId xmlns:a16="http://schemas.microsoft.com/office/drawing/2014/main" id="{622B65F6-6D39-179A-48C4-9BF2D84A5434}"/>
+              </a:ext>
+            </a:extLst>
+          </p:cNvPr>
+          <p:cNvPicPr>
+            <a:picLocks noGrp="1" noChangeAspect="1"/>
+          </p:cNvPicPr>
+          <p:nvPr>
+            <p:ph type="pic" idx="1"/>
+          </p:nvPr>
+        </p:nvPicPr>
+        <p:blipFill>
+          <a:blip r:embed="rId2">
+            <a:extLst>
+              <a:ext uri="{28A0092B-C50C-407E-A947-70E740481C1C}">
+                <a14:useLocalDpi xmlns:a14="http://schemas.microsoft.com/office/drawing/2010/main" val="0"/>
+              </a:ext>
+            </a:extLst>
+          </a:blip>
+          <a:srcRect l="9575" r="9575"/>
+          <a:stretch>
+            <a:fillRect/>
+          </a:stretch>
+        </p:blipFill>
+        <p:spPr>
+          <a:xfrm>
+            <a:off x="4131200" y="1244112"/>
+            <a:ext cx="4141532" cy="4360254"/>
+          </a:xfrm>
+        </p:spPr>
+      </p:pic>
+      <p:sp>
+        <p:nvSpPr>
+          <p:cNvPr id="4" name="Text Placeholder 3">
+            <a:extLst>
+              <a:ext uri="{FF2B5EF4-FFF2-40B4-BE49-F238E27FC236}">
+                <a16:creationId xmlns:a16="http://schemas.microsoft.com/office/drawing/2014/main" id="{011338A4-B358-C6CE-BB88-88FE4E803F89}"/>
+              </a:ext>
+            </a:extLst>
+          </p:cNvPr>
+          <p:cNvSpPr>
+            <a:spLocks noGrp="1"/>
+          </p:cNvSpPr>
+          <p:nvPr>
+            <p:ph type="body" sz="half" idx="2"/>
+          </p:nvPr>
+        </p:nvSpPr>
+        <p:spPr/>
+        <p:txBody>
+          <a:bodyPr/>
+          <a:lstStyle/>
+          <a:p>
+            <a:pPr marL="285750" indent="-285750">
+              <a:buFont typeface="Arial" panose="020B0604020202020204" pitchFamily="34" charset="0"/>
+              <a:buChar char="•"/>
+            </a:pPr>
             <a:r>
               <a:rPr lang="en-US" dirty="0"/>
-              <a:t>Attendance: 10%</a:t>
-            </a:r>
-          </a:p>
-          <a:p>
-            <a:pPr lvl="1"/>
+              <a:t>Whenever it displays </a:t>
+            </a:r>
+            <a:r>
+              <a:rPr lang="en-US" dirty="0">
+                <a:solidFill>
+                  <a:srgbClr val="00B050"/>
+                </a:solidFill>
+              </a:rPr>
+              <a:t>“Please Knock”</a:t>
+            </a:r>
             <a:r>
               <a:rPr lang="en-US" dirty="0"/>
-              <a:t>Quizzes / Assignments: 40%</a:t>
-            </a:r>
-          </a:p>
-          <a:p>
-            <a:pPr lvl="1"/>
+              <a:t>, that means that I am available.</a:t>
+            </a:r>
+          </a:p>
+          <a:p>
+            <a:pPr marL="285750" indent="-285750">
+              <a:buFont typeface="Arial" panose="020B0604020202020204" pitchFamily="34" charset="0"/>
+              <a:buChar char="•"/>
+            </a:pPr>
+            <a:endParaRPr lang="en-US" sz="1200" dirty="0"/>
+          </a:p>
+          <a:p>
+            <a:pPr marL="285750" indent="-285750">
+              <a:buFont typeface="Arial" panose="020B0604020202020204" pitchFamily="34" charset="0"/>
+              <a:buChar char="•"/>
+            </a:pPr>
             <a:r>
               <a:rPr lang="en-US" dirty="0"/>
-              <a:t>Midterm Exam: 20%</a:t>
-            </a:r>
-          </a:p>
-          <a:p>
-            <a:pPr lvl="1"/>
+              <a:t>When it is at </a:t>
+            </a:r>
+            <a:r>
+              <a:rPr lang="en-US" dirty="0">
+                <a:solidFill>
+                  <a:srgbClr val="0070C0"/>
+                </a:solidFill>
+              </a:rPr>
+              <a:t>“Back Soon”</a:t>
+            </a:r>
             <a:r>
               <a:rPr lang="en-US" dirty="0"/>
-              <a:t>Final Exam: 30%</a:t>
-            </a:r>
-          </a:p>
-          <a:p>
-            <a:pPr lvl="1"/>
+              <a:t>, it means that I have briefly left the office, but will be back soon.</a:t>
+            </a:r>
+          </a:p>
+          <a:p>
+            <a:pPr marL="285750" indent="-285750">
+              <a:buFont typeface="Arial" panose="020B0604020202020204" pitchFamily="34" charset="0"/>
+              <a:buChar char="•"/>
+            </a:pPr>
             <a:endParaRPr lang="en-US" sz="1200" dirty="0"/>
           </a:p>
           <a:p>
+            <a:pPr marL="285750" indent="-285750">
+              <a:buFont typeface="Arial" panose="020B0604020202020204" pitchFamily="34" charset="0"/>
+              <a:buChar char="•"/>
+            </a:pPr>
             <a:r>
               <a:rPr lang="en-US" dirty="0"/>
-              <a:t>There are no predetermined “cutoff” points for letter grades.</a:t>
-            </a:r>
-          </a:p>
-          <a:p>
-            <a:pPr lvl="1"/>
-            <a:endParaRPr lang="en-US" sz="1200" dirty="0"/>
-          </a:p>
-          <a:p>
-            <a:r>
-              <a:rPr lang="en-US" dirty="0"/>
-              <a:t>The cutoffs will be updated as the semester progresses.</a:t>
-            </a:r>
-          </a:p>
-          <a:p>
-            <a:endParaRPr lang="en-US" dirty="0"/>
-          </a:p>
-        </p:txBody>
-      </p:sp>
-      <p:sp>
-        <p:nvSpPr>
-          <p:cNvPr id="4" name="Date Placeholder 3">
-            <a:extLst>
-              <a:ext uri="{FF2B5EF4-FFF2-40B4-BE49-F238E27FC236}">
-                <a16:creationId xmlns:a16="http://schemas.microsoft.com/office/drawing/2014/main" id="{CE725A02-EA7A-7321-8B8B-168BF05EA587}"/>
+              <a:t>If you see anything else, and need to talk, send me an email!</a:t>
+            </a:r>
+          </a:p>
+        </p:txBody>
+      </p:sp>
+      <p:sp>
+        <p:nvSpPr>
+          <p:cNvPr id="5" name="Date Placeholder 4">
+            <a:extLst>
+              <a:ext uri="{FF2B5EF4-FFF2-40B4-BE49-F238E27FC236}">
+                <a16:creationId xmlns:a16="http://schemas.microsoft.com/office/drawing/2014/main" id="{0E51A1B7-AA3F-885D-08EA-BF51CBA2C1C8}"/>
               </a:ext>
             </a:extLst>
           </p:cNvPr>
@@ -4789,10 +4835,10 @@
       </p:sp>
       <p:sp>
         <p:nvSpPr>
-          <p:cNvPr id="5" name="Footer Placeholder 4">
-            <a:extLst>
-              <a:ext uri="{FF2B5EF4-FFF2-40B4-BE49-F238E27FC236}">
-                <a16:creationId xmlns:a16="http://schemas.microsoft.com/office/drawing/2014/main" id="{024C4429-8EF0-A6CF-DF65-1DD6365F71D2}"/>
+          <p:cNvPr id="6" name="Footer Placeholder 5">
+            <a:extLst>
+              <a:ext uri="{FF2B5EF4-FFF2-40B4-BE49-F238E27FC236}">
+                <a16:creationId xmlns:a16="http://schemas.microsoft.com/office/drawing/2014/main" id="{ED020EE8-CA12-C686-E701-5AB230ADA427}"/>
               </a:ext>
             </a:extLst>
           </p:cNvPr>
@@ -4817,10 +4863,10 @@
       </p:sp>
       <p:sp>
         <p:nvSpPr>
-          <p:cNvPr id="6" name="Slide Number Placeholder 5">
-            <a:extLst>
-              <a:ext uri="{FF2B5EF4-FFF2-40B4-BE49-F238E27FC236}">
-                <a16:creationId xmlns:a16="http://schemas.microsoft.com/office/drawing/2014/main" id="{E35CE67F-4580-2DF1-52D2-80C99C5F60C8}"/>
+          <p:cNvPr id="7" name="Slide Number Placeholder 6">
+            <a:extLst>
+              <a:ext uri="{FF2B5EF4-FFF2-40B4-BE49-F238E27FC236}">
+                <a16:creationId xmlns:a16="http://schemas.microsoft.com/office/drawing/2014/main" id="{EF45FC76-F6A8-D9DA-9949-AED9F5EA521E}"/>
               </a:ext>
             </a:extLst>
           </p:cNvPr>
@@ -4847,7 +4893,7 @@
     </p:spTree>
     <p:extLst>
       <p:ext uri="{BB962C8B-B14F-4D97-AF65-F5344CB8AC3E}">
-        <p14:creationId xmlns:p14="http://schemas.microsoft.com/office/powerpoint/2010/main" val="2097555130"/>
+        <p14:creationId xmlns:p14="http://schemas.microsoft.com/office/powerpoint/2010/main" val="872575912"/>
       </p:ext>
     </p:extLst>
   </p:cSld>
@@ -4897,7 +4943,7 @@
           <a:p>
             <a:r>
               <a:rPr lang="en-US" dirty="0"/>
-              <a:t>Attendance</a:t>
+              <a:t>Grades</a:t>
             </a:r>
           </a:p>
         </p:txBody>
@@ -4927,7 +4973,43 @@
           <a:p>
             <a:r>
               <a:rPr lang="en-US" dirty="0"/>
-              <a:t>Attendance may be called every time we meet.</a:t>
+              <a:t>Final letter grades based on </a:t>
+            </a:r>
+            <a:r>
+              <a:rPr lang="en-US" b="1" dirty="0"/>
+              <a:t>four factors</a:t>
+            </a:r>
+            <a:r>
+              <a:rPr lang="en-US" dirty="0"/>
+              <a:t>:</a:t>
+            </a:r>
+          </a:p>
+          <a:p>
+            <a:pPr lvl="1"/>
+            <a:r>
+              <a:rPr lang="en-US" dirty="0"/>
+              <a:t>Attendance: 10%</a:t>
+            </a:r>
+          </a:p>
+          <a:p>
+            <a:pPr lvl="1"/>
+            <a:r>
+              <a:rPr lang="en-US" dirty="0"/>
+              <a:t>Quizzes / Assignments: 40%</a:t>
+            </a:r>
+          </a:p>
+          <a:p>
+            <a:pPr lvl="1"/>
+            <a:r>
+              <a:rPr lang="en-US" dirty="0"/>
+              <a:t>Midterm Exam: 20%</a:t>
+            </a:r>
+          </a:p>
+          <a:p>
+            <a:pPr lvl="1"/>
+            <a:r>
+              <a:rPr lang="en-US" dirty="0"/>
+              <a:t>Final Exam: 30%</a:t>
             </a:r>
           </a:p>
           <a:p>
@@ -4937,7 +5019,7 @@
           <a:p>
             <a:r>
               <a:rPr lang="en-US" dirty="0"/>
-              <a:t>One “no-points-deducted” absence for each month.</a:t>
+              <a:t>There are no predetermined “cutoff” points for letter grades.</a:t>
             </a:r>
           </a:p>
           <a:p>
@@ -4947,18 +5029,11 @@
           <a:p>
             <a:r>
               <a:rPr lang="en-US" dirty="0"/>
-              <a:t>Extra “no-points-deducted” absences may be granted on a case-by-case basis.</a:t>
-            </a:r>
-          </a:p>
-          <a:p>
-            <a:pPr lvl="1"/>
-            <a:endParaRPr lang="en-US" sz="1200" dirty="0"/>
-          </a:p>
-          <a:p>
-            <a:r>
-              <a:rPr lang="en-US" dirty="0"/>
-              <a:t>Attendance scores will be calculated as:</a:t>
-            </a:r>
+              <a:t>The cutoffs will be updated as the semester progresses.</a:t>
+            </a:r>
+          </a:p>
+          <a:p>
+            <a:endParaRPr lang="en-US" dirty="0"/>
           </a:p>
         </p:txBody>
       </p:sp>
@@ -5042,6 +5117,209 @@
             <a:fld id="{1A980C56-831A-4EAB-9EDE-57C090F4F877}" type="slidenum">
               <a:rPr lang="en-US" smtClean="0"/>
               <a:t>11</a:t>
+            </a:fld>
+            <a:endParaRPr lang="en-US"/>
+          </a:p>
+        </p:txBody>
+      </p:sp>
+    </p:spTree>
+    <p:extLst>
+      <p:ext uri="{BB962C8B-B14F-4D97-AF65-F5344CB8AC3E}">
+        <p14:creationId xmlns:p14="http://schemas.microsoft.com/office/powerpoint/2010/main" val="2097555130"/>
+      </p:ext>
+    </p:extLst>
+  </p:cSld>
+  <p:clrMapOvr>
+    <a:masterClrMapping/>
+  </p:clrMapOvr>
+</p:sld>
+</file>
+
+<file path=ppt/slides/slide12.xml><?xml version="1.0" encoding="utf-8"?>
+<p:sld xmlns:a="http://schemas.openxmlformats.org/drawingml/2006/main" xmlns:r="http://schemas.openxmlformats.org/officeDocument/2006/relationships" xmlns:p="http://schemas.openxmlformats.org/presentationml/2006/main">
+  <p:cSld>
+    <p:spTree>
+      <p:nvGrpSpPr>
+        <p:cNvPr id="1" name=""/>
+        <p:cNvGrpSpPr/>
+        <p:nvPr/>
+      </p:nvGrpSpPr>
+      <p:grpSpPr>
+        <a:xfrm>
+          <a:off x="0" y="0"/>
+          <a:ext cx="0" cy="0"/>
+          <a:chOff x="0" y="0"/>
+          <a:chExt cx="0" cy="0"/>
+        </a:xfrm>
+      </p:grpSpPr>
+      <p:sp>
+        <p:nvSpPr>
+          <p:cNvPr id="2" name="Title 1">
+            <a:extLst>
+              <a:ext uri="{FF2B5EF4-FFF2-40B4-BE49-F238E27FC236}">
+                <a16:creationId xmlns:a16="http://schemas.microsoft.com/office/drawing/2014/main" id="{776B09A4-5BC9-4EA8-C267-D3B26A49D07E}"/>
+              </a:ext>
+            </a:extLst>
+          </p:cNvPr>
+          <p:cNvSpPr>
+            <a:spLocks noGrp="1"/>
+          </p:cNvSpPr>
+          <p:nvPr>
+            <p:ph type="title"/>
+          </p:nvPr>
+        </p:nvSpPr>
+        <p:spPr/>
+        <p:txBody>
+          <a:bodyPr/>
+          <a:lstStyle/>
+          <a:p>
+            <a:r>
+              <a:rPr lang="en-US" dirty="0"/>
+              <a:t>Attendance</a:t>
+            </a:r>
+          </a:p>
+        </p:txBody>
+      </p:sp>
+      <p:sp>
+        <p:nvSpPr>
+          <p:cNvPr id="3" name="Content Placeholder 2">
+            <a:extLst>
+              <a:ext uri="{FF2B5EF4-FFF2-40B4-BE49-F238E27FC236}">
+                <a16:creationId xmlns:a16="http://schemas.microsoft.com/office/drawing/2014/main" id="{97FEFFAF-3949-E82D-4583-E06DA22E7204}"/>
+              </a:ext>
+            </a:extLst>
+          </p:cNvPr>
+          <p:cNvSpPr>
+            <a:spLocks noGrp="1"/>
+          </p:cNvSpPr>
+          <p:nvPr>
+            <p:ph idx="1"/>
+          </p:nvPr>
+        </p:nvSpPr>
+        <p:spPr/>
+        <p:txBody>
+          <a:bodyPr>
+            <a:normAutofit/>
+          </a:bodyPr>
+          <a:lstStyle/>
+          <a:p>
+            <a:r>
+              <a:rPr lang="en-US" dirty="0"/>
+              <a:t>Attendance may be called every time we meet.</a:t>
+            </a:r>
+          </a:p>
+          <a:p>
+            <a:pPr lvl="1"/>
+            <a:endParaRPr lang="en-US" sz="1200" dirty="0"/>
+          </a:p>
+          <a:p>
+            <a:r>
+              <a:rPr lang="en-US" dirty="0"/>
+              <a:t>One “no-points-deducted” absence for each month.</a:t>
+            </a:r>
+          </a:p>
+          <a:p>
+            <a:pPr lvl="1"/>
+            <a:endParaRPr lang="en-US" sz="1200" dirty="0"/>
+          </a:p>
+          <a:p>
+            <a:r>
+              <a:rPr lang="en-US" dirty="0"/>
+              <a:t>Extra “no-points-deducted” absences may be granted on a case-by-case basis.</a:t>
+            </a:r>
+          </a:p>
+          <a:p>
+            <a:pPr lvl="1"/>
+            <a:endParaRPr lang="en-US" sz="1200" dirty="0"/>
+          </a:p>
+          <a:p>
+            <a:r>
+              <a:rPr lang="en-US" dirty="0"/>
+              <a:t>Attendance scores will be calculated as:</a:t>
+            </a:r>
+          </a:p>
+        </p:txBody>
+      </p:sp>
+      <p:sp>
+        <p:nvSpPr>
+          <p:cNvPr id="4" name="Date Placeholder 3">
+            <a:extLst>
+              <a:ext uri="{FF2B5EF4-FFF2-40B4-BE49-F238E27FC236}">
+                <a16:creationId xmlns:a16="http://schemas.microsoft.com/office/drawing/2014/main" id="{CE725A02-EA7A-7321-8B8B-168BF05EA587}"/>
+              </a:ext>
+            </a:extLst>
+          </p:cNvPr>
+          <p:cNvSpPr>
+            <a:spLocks noGrp="1"/>
+          </p:cNvSpPr>
+          <p:nvPr>
+            <p:ph type="dt" sz="half" idx="10"/>
+          </p:nvPr>
+        </p:nvSpPr>
+        <p:spPr/>
+        <p:txBody>
+          <a:bodyPr/>
+          <a:lstStyle/>
+          <a:p>
+            <a:r>
+              <a:rPr lang="en-US"/>
+              <a:t>Fall 2023</a:t>
+            </a:r>
+          </a:p>
+        </p:txBody>
+      </p:sp>
+      <p:sp>
+        <p:nvSpPr>
+          <p:cNvPr id="5" name="Footer Placeholder 4">
+            <a:extLst>
+              <a:ext uri="{FF2B5EF4-FFF2-40B4-BE49-F238E27FC236}">
+                <a16:creationId xmlns:a16="http://schemas.microsoft.com/office/drawing/2014/main" id="{024C4429-8EF0-A6CF-DF65-1DD6365F71D2}"/>
+              </a:ext>
+            </a:extLst>
+          </p:cNvPr>
+          <p:cNvSpPr>
+            <a:spLocks noGrp="1"/>
+          </p:cNvSpPr>
+          <p:nvPr>
+            <p:ph type="ftr" sz="quarter" idx="11"/>
+          </p:nvPr>
+        </p:nvSpPr>
+        <p:spPr/>
+        <p:txBody>
+          <a:bodyPr/>
+          <a:lstStyle/>
+          <a:p>
+            <a:r>
+              <a:rPr lang="en-US"/>
+              <a:t>DEPARTMENT OF BUSINESS &amp; ECONOMICS</a:t>
+            </a:r>
+          </a:p>
+        </p:txBody>
+      </p:sp>
+      <p:sp>
+        <p:nvSpPr>
+          <p:cNvPr id="6" name="Slide Number Placeholder 5">
+            <a:extLst>
+              <a:ext uri="{FF2B5EF4-FFF2-40B4-BE49-F238E27FC236}">
+                <a16:creationId xmlns:a16="http://schemas.microsoft.com/office/drawing/2014/main" id="{E35CE67F-4580-2DF1-52D2-80C99C5F60C8}"/>
+              </a:ext>
+            </a:extLst>
+          </p:cNvPr>
+          <p:cNvSpPr>
+            <a:spLocks noGrp="1"/>
+          </p:cNvSpPr>
+          <p:nvPr>
+            <p:ph type="sldNum" sz="quarter" idx="12"/>
+          </p:nvPr>
+        </p:nvSpPr>
+        <p:spPr/>
+        <p:txBody>
+          <a:bodyPr/>
+          <a:lstStyle/>
+          <a:p>
+            <a:fld id="{1A980C56-831A-4EAB-9EDE-57C090F4F877}" type="slidenum">
+              <a:rPr lang="en-US" smtClean="0"/>
+              <a:t>12</a:t>
             </a:fld>
             <a:endParaRPr lang="en-US"/>
           </a:p>
@@ -5242,209 +5520,6 @@
 </p:sld>
 </file>
 
-<file path=ppt/slides/slide12.xml><?xml version="1.0" encoding="utf-8"?>
-<p:sld xmlns:a="http://schemas.openxmlformats.org/drawingml/2006/main" xmlns:r="http://schemas.openxmlformats.org/officeDocument/2006/relationships" xmlns:p="http://schemas.openxmlformats.org/presentationml/2006/main">
-  <p:cSld>
-    <p:spTree>
-      <p:nvGrpSpPr>
-        <p:cNvPr id="1" name=""/>
-        <p:cNvGrpSpPr/>
-        <p:nvPr/>
-      </p:nvGrpSpPr>
-      <p:grpSpPr>
-        <a:xfrm>
-          <a:off x="0" y="0"/>
-          <a:ext cx="0" cy="0"/>
-          <a:chOff x="0" y="0"/>
-          <a:chExt cx="0" cy="0"/>
-        </a:xfrm>
-      </p:grpSpPr>
-      <p:sp>
-        <p:nvSpPr>
-          <p:cNvPr id="2" name="Title 1">
-            <a:extLst>
-              <a:ext uri="{FF2B5EF4-FFF2-40B4-BE49-F238E27FC236}">
-                <a16:creationId xmlns:a16="http://schemas.microsoft.com/office/drawing/2014/main" id="{776B09A4-5BC9-4EA8-C267-D3B26A49D07E}"/>
-              </a:ext>
-            </a:extLst>
-          </p:cNvPr>
-          <p:cNvSpPr>
-            <a:spLocks noGrp="1"/>
-          </p:cNvSpPr>
-          <p:nvPr>
-            <p:ph type="title"/>
-          </p:nvPr>
-        </p:nvSpPr>
-        <p:spPr/>
-        <p:txBody>
-          <a:bodyPr/>
-          <a:lstStyle/>
-          <a:p>
-            <a:r>
-              <a:rPr lang="en-US" dirty="0"/>
-              <a:t>Quizzes / Homework</a:t>
-            </a:r>
-          </a:p>
-        </p:txBody>
-      </p:sp>
-      <p:sp>
-        <p:nvSpPr>
-          <p:cNvPr id="3" name="Content Placeholder 2">
-            <a:extLst>
-              <a:ext uri="{FF2B5EF4-FFF2-40B4-BE49-F238E27FC236}">
-                <a16:creationId xmlns:a16="http://schemas.microsoft.com/office/drawing/2014/main" id="{97FEFFAF-3949-E82D-4583-E06DA22E7204}"/>
-              </a:ext>
-            </a:extLst>
-          </p:cNvPr>
-          <p:cNvSpPr>
-            <a:spLocks noGrp="1"/>
-          </p:cNvSpPr>
-          <p:nvPr>
-            <p:ph idx="1"/>
-          </p:nvPr>
-        </p:nvSpPr>
-        <p:spPr/>
-        <p:txBody>
-          <a:bodyPr>
-            <a:normAutofit/>
-          </a:bodyPr>
-          <a:lstStyle/>
-          <a:p>
-            <a:r>
-              <a:rPr lang="en-US" dirty="0"/>
-              <a:t>Quizzes will act as a low-stakes status check.</a:t>
-            </a:r>
-          </a:p>
-          <a:p>
-            <a:pPr lvl="1"/>
-            <a:endParaRPr lang="en-US" sz="1200" dirty="0"/>
-          </a:p>
-          <a:p>
-            <a:r>
-              <a:rPr lang="en-US" dirty="0"/>
-              <a:t>Students can recover extra credit by attending office hours and “correcting” any mistakes made.</a:t>
-            </a:r>
-          </a:p>
-          <a:p>
-            <a:pPr lvl="1"/>
-            <a:endParaRPr lang="en-US" sz="1200" dirty="0"/>
-          </a:p>
-          <a:p>
-            <a:r>
-              <a:rPr lang="en-US" dirty="0"/>
-              <a:t>The lowest 1 or 2 quizzes will be dropped at the end of the semester.</a:t>
-            </a:r>
-          </a:p>
-          <a:p>
-            <a:pPr lvl="1"/>
-            <a:endParaRPr lang="en-US" sz="1200" dirty="0"/>
-          </a:p>
-          <a:p>
-            <a:r>
-              <a:rPr lang="en-US" dirty="0"/>
-              <a:t>Quizzes may be substituted to homework assignments at the instructor’s discretion.</a:t>
-            </a:r>
-          </a:p>
-        </p:txBody>
-      </p:sp>
-      <p:sp>
-        <p:nvSpPr>
-          <p:cNvPr id="4" name="Date Placeholder 3">
-            <a:extLst>
-              <a:ext uri="{FF2B5EF4-FFF2-40B4-BE49-F238E27FC236}">
-                <a16:creationId xmlns:a16="http://schemas.microsoft.com/office/drawing/2014/main" id="{CE725A02-EA7A-7321-8B8B-168BF05EA587}"/>
-              </a:ext>
-            </a:extLst>
-          </p:cNvPr>
-          <p:cNvSpPr>
-            <a:spLocks noGrp="1"/>
-          </p:cNvSpPr>
-          <p:nvPr>
-            <p:ph type="dt" sz="half" idx="10"/>
-          </p:nvPr>
-        </p:nvSpPr>
-        <p:spPr/>
-        <p:txBody>
-          <a:bodyPr/>
-          <a:lstStyle/>
-          <a:p>
-            <a:r>
-              <a:rPr lang="en-US"/>
-              <a:t>Fall 2023</a:t>
-            </a:r>
-          </a:p>
-        </p:txBody>
-      </p:sp>
-      <p:sp>
-        <p:nvSpPr>
-          <p:cNvPr id="5" name="Footer Placeholder 4">
-            <a:extLst>
-              <a:ext uri="{FF2B5EF4-FFF2-40B4-BE49-F238E27FC236}">
-                <a16:creationId xmlns:a16="http://schemas.microsoft.com/office/drawing/2014/main" id="{024C4429-8EF0-A6CF-DF65-1DD6365F71D2}"/>
-              </a:ext>
-            </a:extLst>
-          </p:cNvPr>
-          <p:cNvSpPr>
-            <a:spLocks noGrp="1"/>
-          </p:cNvSpPr>
-          <p:nvPr>
-            <p:ph type="ftr" sz="quarter" idx="11"/>
-          </p:nvPr>
-        </p:nvSpPr>
-        <p:spPr/>
-        <p:txBody>
-          <a:bodyPr/>
-          <a:lstStyle/>
-          <a:p>
-            <a:r>
-              <a:rPr lang="en-US"/>
-              <a:t>DEPARTMENT OF BUSINESS &amp; ECONOMICS</a:t>
-            </a:r>
-          </a:p>
-        </p:txBody>
-      </p:sp>
-      <p:sp>
-        <p:nvSpPr>
-          <p:cNvPr id="6" name="Slide Number Placeholder 5">
-            <a:extLst>
-              <a:ext uri="{FF2B5EF4-FFF2-40B4-BE49-F238E27FC236}">
-                <a16:creationId xmlns:a16="http://schemas.microsoft.com/office/drawing/2014/main" id="{E35CE67F-4580-2DF1-52D2-80C99C5F60C8}"/>
-              </a:ext>
-            </a:extLst>
-          </p:cNvPr>
-          <p:cNvSpPr>
-            <a:spLocks noGrp="1"/>
-          </p:cNvSpPr>
-          <p:nvPr>
-            <p:ph type="sldNum" sz="quarter" idx="12"/>
-          </p:nvPr>
-        </p:nvSpPr>
-        <p:spPr/>
-        <p:txBody>
-          <a:bodyPr/>
-          <a:lstStyle/>
-          <a:p>
-            <a:fld id="{1A980C56-831A-4EAB-9EDE-57C090F4F877}" type="slidenum">
-              <a:rPr lang="en-US" smtClean="0"/>
-              <a:t>12</a:t>
-            </a:fld>
-            <a:endParaRPr lang="en-US"/>
-          </a:p>
-        </p:txBody>
-      </p:sp>
-    </p:spTree>
-    <p:extLst>
-      <p:ext uri="{BB962C8B-B14F-4D97-AF65-F5344CB8AC3E}">
-        <p14:creationId xmlns:p14="http://schemas.microsoft.com/office/powerpoint/2010/main" val="377782915"/>
-      </p:ext>
-    </p:extLst>
-  </p:cSld>
-  <p:clrMapOvr>
-    <a:masterClrMapping/>
-  </p:clrMapOvr>
-</p:sld>
-</file>
-
 <file path=ppt/slides/slide13.xml><?xml version="1.0" encoding="utf-8"?>
 <p:sld xmlns:a="http://schemas.openxmlformats.org/drawingml/2006/main" xmlns:r="http://schemas.openxmlformats.org/officeDocument/2006/relationships" xmlns:p="http://schemas.openxmlformats.org/presentationml/2006/main">
   <p:cSld>
@@ -5485,7 +5560,7 @@
           <a:p>
             <a:r>
               <a:rPr lang="en-US" dirty="0"/>
-              <a:t>Exams</a:t>
+              <a:t>Quizzes / Homework</a:t>
             </a:r>
           </a:p>
         </p:txBody>
@@ -5515,7 +5590,7 @@
           <a:p>
             <a:r>
               <a:rPr lang="en-US" dirty="0"/>
-              <a:t>Two exams; one midterm and a comprehensive final.</a:t>
+              <a:t>Quizzes will act as a low-stakes status check.</a:t>
             </a:r>
           </a:p>
           <a:p>
@@ -5525,7 +5600,7 @@
           <a:p>
             <a:r>
               <a:rPr lang="en-US" dirty="0"/>
-              <a:t>No “review sessions” for partial credit for exams.</a:t>
+              <a:t>Students can recover extra credit by attending office hours and “correcting” any mistakes made.</a:t>
             </a:r>
           </a:p>
           <a:p>
@@ -5535,7 +5610,7 @@
           <a:p>
             <a:r>
               <a:rPr lang="en-US" dirty="0"/>
-              <a:t>Students may submit a request for regrading within the first 5 days the scores are made available.</a:t>
+              <a:t>The lowest 1 or 2 quizzes will be dropped at the end of the semester.</a:t>
             </a:r>
           </a:p>
           <a:p>
@@ -5545,7 +5620,7 @@
           <a:p>
             <a:r>
               <a:rPr lang="en-US" dirty="0"/>
-              <a:t>If you miss an exam due to valid cause, the option would be either a written make-up exam, or an oral exam.</a:t>
+              <a:t>Quizzes may be substituted to homework assignments at the instructor’s discretion.</a:t>
             </a:r>
           </a:p>
         </p:txBody>
@@ -5638,7 +5713,7 @@
     </p:spTree>
     <p:extLst>
       <p:ext uri="{BB962C8B-B14F-4D97-AF65-F5344CB8AC3E}">
-        <p14:creationId xmlns:p14="http://schemas.microsoft.com/office/powerpoint/2010/main" val="2087276231"/>
+        <p14:creationId xmlns:p14="http://schemas.microsoft.com/office/powerpoint/2010/main" val="377782915"/>
       </p:ext>
     </p:extLst>
   </p:cSld>
@@ -5688,7 +5763,7 @@
           <a:p>
             <a:r>
               <a:rPr lang="en-US" dirty="0"/>
-              <a:t>Textbook</a:t>
+              <a:t>Exams</a:t>
             </a:r>
           </a:p>
         </p:txBody>
@@ -5718,25 +5793,37 @@
           <a:p>
             <a:r>
               <a:rPr lang="en-US" dirty="0"/>
-              <a:t>There is no textbook required for this course.</a:t>
-            </a:r>
-          </a:p>
-          <a:p>
+              <a:t>Two exams; one midterm and a comprehensive final.</a:t>
+            </a:r>
+          </a:p>
+          <a:p>
+            <a:pPr lvl="1"/>
             <a:endParaRPr lang="en-US" sz="1200" dirty="0"/>
           </a:p>
           <a:p>
             <a:r>
               <a:rPr lang="en-US" dirty="0"/>
-              <a:t>Will be handing out material and worksheets throughout the semester.</a:t>
-            </a:r>
-          </a:p>
-          <a:p>
+              <a:t>No “review sessions” for partial credit for exams.</a:t>
+            </a:r>
+          </a:p>
+          <a:p>
+            <a:pPr lvl="1"/>
             <a:endParaRPr lang="en-US" sz="1200" dirty="0"/>
           </a:p>
           <a:p>
             <a:r>
               <a:rPr lang="en-US" dirty="0"/>
-              <a:t>Most of this will be hands-on!</a:t>
+              <a:t>Students may submit a request for regrading within the first 5 days the scores are made available.</a:t>
+            </a:r>
+          </a:p>
+          <a:p>
+            <a:pPr lvl="1"/>
+            <a:endParaRPr lang="en-US" sz="1200" dirty="0"/>
+          </a:p>
+          <a:p>
+            <a:r>
+              <a:rPr lang="en-US" dirty="0"/>
+              <a:t>If you miss an exam due to valid cause, the option would be either a written make-up exam, or an oral exam.</a:t>
             </a:r>
           </a:p>
         </p:txBody>
@@ -5829,7 +5916,7 @@
     </p:spTree>
     <p:extLst>
       <p:ext uri="{BB962C8B-B14F-4D97-AF65-F5344CB8AC3E}">
-        <p14:creationId xmlns:p14="http://schemas.microsoft.com/office/powerpoint/2010/main" val="1589184417"/>
+        <p14:creationId xmlns:p14="http://schemas.microsoft.com/office/powerpoint/2010/main" val="2087276231"/>
       </p:ext>
     </p:extLst>
   </p:cSld>
@@ -5861,7 +5948,7 @@
           <p:cNvPr id="2" name="Title 1">
             <a:extLst>
               <a:ext uri="{FF2B5EF4-FFF2-40B4-BE49-F238E27FC236}">
-                <a16:creationId xmlns:a16="http://schemas.microsoft.com/office/drawing/2014/main" id="{C1F1DDDB-4620-3BF1-1BD9-E0E0FCEF0DCC}"/>
+                <a16:creationId xmlns:a16="http://schemas.microsoft.com/office/drawing/2014/main" id="{776B09A4-5BC9-4EA8-C267-D3B26A49D07E}"/>
               </a:ext>
             </a:extLst>
           </p:cNvPr>
@@ -5879,52 +5966,65 @@
           <a:p>
             <a:r>
               <a:rPr lang="en-US" dirty="0"/>
-              <a:t>The “Beyond Spreadsheets” Portion</a:t>
-            </a:r>
-          </a:p>
-        </p:txBody>
-      </p:sp>
-      <p:pic>
-        <p:nvPicPr>
-          <p:cNvPr id="8" name="Content Placeholder 7" descr="A screenshot of a computer&#10;&#10;Description automatically generated">
-            <a:extLst>
-              <a:ext uri="{FF2B5EF4-FFF2-40B4-BE49-F238E27FC236}">
-                <a16:creationId xmlns:a16="http://schemas.microsoft.com/office/drawing/2014/main" id="{D81AA184-A5F2-4004-8F17-0F8EF3CACC84}"/>
-              </a:ext>
-            </a:extLst>
-          </p:cNvPr>
-          <p:cNvPicPr>
-            <a:picLocks noGrp="1" noChangeAspect="1"/>
-          </p:cNvPicPr>
+              <a:t>Textbook</a:t>
+            </a:r>
+          </a:p>
+        </p:txBody>
+      </p:sp>
+      <p:sp>
+        <p:nvSpPr>
+          <p:cNvPr id="3" name="Content Placeholder 2">
+            <a:extLst>
+              <a:ext uri="{FF2B5EF4-FFF2-40B4-BE49-F238E27FC236}">
+                <a16:creationId xmlns:a16="http://schemas.microsoft.com/office/drawing/2014/main" id="{97FEFFAF-3949-E82D-4583-E06DA22E7204}"/>
+              </a:ext>
+            </a:extLst>
+          </p:cNvPr>
+          <p:cNvSpPr>
+            <a:spLocks noGrp="1"/>
+          </p:cNvSpPr>
           <p:nvPr>
             <p:ph idx="1"/>
           </p:nvPr>
-        </p:nvPicPr>
-        <p:blipFill>
-          <a:blip r:embed="rId2">
-            <a:extLst>
-              <a:ext uri="{28A0092B-C50C-407E-A947-70E740481C1C}">
-                <a14:useLocalDpi xmlns:a14="http://schemas.microsoft.com/office/drawing/2010/main" val="0"/>
-              </a:ext>
-            </a:extLst>
-          </a:blip>
-          <a:stretch>
-            <a:fillRect/>
-          </a:stretch>
-        </p:blipFill>
-        <p:spPr>
-          <a:xfrm>
-            <a:off x="1106681" y="1825625"/>
-            <a:ext cx="6930637" cy="4351338"/>
-          </a:xfrm>
-        </p:spPr>
-      </p:pic>
+        </p:nvSpPr>
+        <p:spPr/>
+        <p:txBody>
+          <a:bodyPr>
+            <a:normAutofit/>
+          </a:bodyPr>
+          <a:lstStyle/>
+          <a:p>
+            <a:r>
+              <a:rPr lang="en-US" dirty="0"/>
+              <a:t>There is no textbook required for this course.</a:t>
+            </a:r>
+          </a:p>
+          <a:p>
+            <a:endParaRPr lang="en-US" sz="1200" dirty="0"/>
+          </a:p>
+          <a:p>
+            <a:r>
+              <a:rPr lang="en-US" dirty="0"/>
+              <a:t>Will be handing out material and worksheets throughout the semester.</a:t>
+            </a:r>
+          </a:p>
+          <a:p>
+            <a:endParaRPr lang="en-US" sz="1200" dirty="0"/>
+          </a:p>
+          <a:p>
+            <a:r>
+              <a:rPr lang="en-US" dirty="0"/>
+              <a:t>Most of this will be hands-on!</a:t>
+            </a:r>
+          </a:p>
+        </p:txBody>
+      </p:sp>
       <p:sp>
         <p:nvSpPr>
           <p:cNvPr id="4" name="Date Placeholder 3">
             <a:extLst>
               <a:ext uri="{FF2B5EF4-FFF2-40B4-BE49-F238E27FC236}">
-                <a16:creationId xmlns:a16="http://schemas.microsoft.com/office/drawing/2014/main" id="{FD152A90-11FA-6FA6-9BE6-F456615CDB01}"/>
+                <a16:creationId xmlns:a16="http://schemas.microsoft.com/office/drawing/2014/main" id="{CE725A02-EA7A-7321-8B8B-168BF05EA587}"/>
               </a:ext>
             </a:extLst>
           </p:cNvPr>
@@ -5952,7 +6052,7 @@
           <p:cNvPr id="5" name="Footer Placeholder 4">
             <a:extLst>
               <a:ext uri="{FF2B5EF4-FFF2-40B4-BE49-F238E27FC236}">
-                <a16:creationId xmlns:a16="http://schemas.microsoft.com/office/drawing/2014/main" id="{40181E29-B782-87DC-9CC4-BED4D0F88F9A}"/>
+                <a16:creationId xmlns:a16="http://schemas.microsoft.com/office/drawing/2014/main" id="{024C4429-8EF0-A6CF-DF65-1DD6365F71D2}"/>
               </a:ext>
             </a:extLst>
           </p:cNvPr>
@@ -5980,7 +6080,7 @@
           <p:cNvPr id="6" name="Slide Number Placeholder 5">
             <a:extLst>
               <a:ext uri="{FF2B5EF4-FFF2-40B4-BE49-F238E27FC236}">
-                <a16:creationId xmlns:a16="http://schemas.microsoft.com/office/drawing/2014/main" id="{4E861E51-07B7-A6B8-002B-559A412E4139}"/>
+                <a16:creationId xmlns:a16="http://schemas.microsoft.com/office/drawing/2014/main" id="{E35CE67F-4580-2DF1-52D2-80C99C5F60C8}"/>
               </a:ext>
             </a:extLst>
           </p:cNvPr>
@@ -6007,7 +6107,7 @@
     </p:spTree>
     <p:extLst>
       <p:ext uri="{BB962C8B-B14F-4D97-AF65-F5344CB8AC3E}">
-        <p14:creationId xmlns:p14="http://schemas.microsoft.com/office/powerpoint/2010/main" val="1539609340"/>
+        <p14:creationId xmlns:p14="http://schemas.microsoft.com/office/powerpoint/2010/main" val="1589184417"/>
       </p:ext>
     </p:extLst>
   </p:cSld>
@@ -6067,7 +6167,7 @@
           <p:cNvPr id="8" name="Content Placeholder 7" descr="A screenshot of a computer&#10;&#10;Description automatically generated">
             <a:extLst>
               <a:ext uri="{FF2B5EF4-FFF2-40B4-BE49-F238E27FC236}">
-                <a16:creationId xmlns:a16="http://schemas.microsoft.com/office/drawing/2014/main" id="{83D00A5C-317D-68B3-6FCC-C8F6E05C122B}"/>
+                <a16:creationId xmlns:a16="http://schemas.microsoft.com/office/drawing/2014/main" id="{D81AA184-A5F2-4004-8F17-0F8EF3CACC84}"/>
               </a:ext>
             </a:extLst>
           </p:cNvPr>
@@ -6092,8 +6192,8 @@
         </p:blipFill>
         <p:spPr>
           <a:xfrm>
-            <a:off x="1154478" y="1825625"/>
-            <a:ext cx="6835044" cy="4351338"/>
+            <a:off x="1106681" y="1825625"/>
+            <a:ext cx="6930637" cy="4351338"/>
           </a:xfrm>
         </p:spPr>
       </p:pic>
@@ -6185,7 +6285,7 @@
     </p:spTree>
     <p:extLst>
       <p:ext uri="{BB962C8B-B14F-4D97-AF65-F5344CB8AC3E}">
-        <p14:creationId xmlns:p14="http://schemas.microsoft.com/office/powerpoint/2010/main" val="481527524"/>
+        <p14:creationId xmlns:p14="http://schemas.microsoft.com/office/powerpoint/2010/main" val="1539609340"/>
       </p:ext>
     </p:extLst>
   </p:cSld>
@@ -6245,7 +6345,7 @@
           <p:cNvPr id="8" name="Content Placeholder 7" descr="A screenshot of a computer&#10;&#10;Description automatically generated">
             <a:extLst>
               <a:ext uri="{FF2B5EF4-FFF2-40B4-BE49-F238E27FC236}">
-                <a16:creationId xmlns:a16="http://schemas.microsoft.com/office/drawing/2014/main" id="{B44A2919-84E7-A05B-056F-E9A0AC04C468}"/>
+                <a16:creationId xmlns:a16="http://schemas.microsoft.com/office/drawing/2014/main" id="{83D00A5C-317D-68B3-6FCC-C8F6E05C122B}"/>
               </a:ext>
             </a:extLst>
           </p:cNvPr>
@@ -6270,8 +6370,8 @@
         </p:blipFill>
         <p:spPr>
           <a:xfrm>
-            <a:off x="1101759" y="1825625"/>
-            <a:ext cx="6940482" cy="4351338"/>
+            <a:off x="1154478" y="1825625"/>
+            <a:ext cx="6835044" cy="4351338"/>
           </a:xfrm>
         </p:spPr>
       </p:pic>
@@ -6363,7 +6463,7 @@
     </p:spTree>
     <p:extLst>
       <p:ext uri="{BB962C8B-B14F-4D97-AF65-F5344CB8AC3E}">
-        <p14:creationId xmlns:p14="http://schemas.microsoft.com/office/powerpoint/2010/main" val="616204343"/>
+        <p14:creationId xmlns:p14="http://schemas.microsoft.com/office/powerpoint/2010/main" val="481527524"/>
       </p:ext>
     </p:extLst>
   </p:cSld>
@@ -6570,109 +6670,50 @@
       </p:grpSpPr>
       <p:sp>
         <p:nvSpPr>
-          <p:cNvPr id="2" name="Date Placeholder 1">
-            <a:extLst>
-              <a:ext uri="{FF2B5EF4-FFF2-40B4-BE49-F238E27FC236}">
-                <a16:creationId xmlns:a16="http://schemas.microsoft.com/office/drawing/2014/main" id="{9518E21D-1D5C-6A1F-50A6-9474C8198203}"/>
-              </a:ext>
-            </a:extLst>
-          </p:cNvPr>
-          <p:cNvSpPr>
-            <a:spLocks noGrp="1"/>
-          </p:cNvSpPr>
-          <p:nvPr>
-            <p:ph type="dt" sz="half" idx="10"/>
-          </p:nvPr>
-        </p:nvSpPr>
-        <p:spPr/>
-        <p:txBody>
-          <a:bodyPr/>
-          <a:lstStyle/>
-          <a:p>
-            <a:r>
-              <a:rPr lang="en-US"/>
-              <a:t>Fall 2023</a:t>
-            </a:r>
-          </a:p>
-        </p:txBody>
-      </p:sp>
-      <p:sp>
-        <p:nvSpPr>
-          <p:cNvPr id="3" name="Footer Placeholder 2">
-            <a:extLst>
-              <a:ext uri="{FF2B5EF4-FFF2-40B4-BE49-F238E27FC236}">
-                <a16:creationId xmlns:a16="http://schemas.microsoft.com/office/drawing/2014/main" id="{1A83CB42-A781-92D0-3907-4C2533B07C8D}"/>
-              </a:ext>
-            </a:extLst>
-          </p:cNvPr>
-          <p:cNvSpPr>
-            <a:spLocks noGrp="1"/>
-          </p:cNvSpPr>
-          <p:nvPr>
-            <p:ph type="ftr" sz="quarter" idx="11"/>
-          </p:nvPr>
-        </p:nvSpPr>
-        <p:spPr/>
-        <p:txBody>
-          <a:bodyPr/>
-          <a:lstStyle/>
-          <a:p>
-            <a:r>
-              <a:rPr lang="en-US"/>
-              <a:t>DEPARTMENT OF BUSINESS &amp; ECONOMICS</a:t>
-            </a:r>
-          </a:p>
-        </p:txBody>
-      </p:sp>
-      <p:sp>
-        <p:nvSpPr>
-          <p:cNvPr id="4" name="Slide Number Placeholder 3">
-            <a:extLst>
-              <a:ext uri="{FF2B5EF4-FFF2-40B4-BE49-F238E27FC236}">
-                <a16:creationId xmlns:a16="http://schemas.microsoft.com/office/drawing/2014/main" id="{4A718626-C9F2-911E-21EB-22D5558F99BC}"/>
-              </a:ext>
-            </a:extLst>
-          </p:cNvPr>
-          <p:cNvSpPr>
-            <a:spLocks noGrp="1"/>
-          </p:cNvSpPr>
-          <p:nvPr>
-            <p:ph type="sldNum" sz="quarter" idx="12"/>
-          </p:nvPr>
-        </p:nvSpPr>
-        <p:spPr/>
-        <p:txBody>
-          <a:bodyPr/>
-          <a:lstStyle/>
-          <a:p>
-            <a:fld id="{1A980C56-831A-4EAB-9EDE-57C090F4F877}" type="slidenum">
-              <a:rPr lang="en-US" smtClean="0"/>
-              <a:t>19</a:t>
-            </a:fld>
-            <a:endParaRPr lang="en-US"/>
+          <p:cNvPr id="2" name="Title 1">
+            <a:extLst>
+              <a:ext uri="{FF2B5EF4-FFF2-40B4-BE49-F238E27FC236}">
+                <a16:creationId xmlns:a16="http://schemas.microsoft.com/office/drawing/2014/main" id="{C1F1DDDB-4620-3BF1-1BD9-E0E0FCEF0DCC}"/>
+              </a:ext>
+            </a:extLst>
+          </p:cNvPr>
+          <p:cNvSpPr>
+            <a:spLocks noGrp="1"/>
+          </p:cNvSpPr>
+          <p:nvPr>
+            <p:ph type="title"/>
+          </p:nvPr>
+        </p:nvSpPr>
+        <p:spPr/>
+        <p:txBody>
+          <a:bodyPr/>
+          <a:lstStyle/>
+          <a:p>
+            <a:r>
+              <a:rPr lang="en-US" dirty="0"/>
+              <a:t>The “Beyond Spreadsheets” Portion</a:t>
+            </a:r>
           </a:p>
         </p:txBody>
       </p:sp>
       <p:pic>
         <p:nvPicPr>
-          <p:cNvPr id="6" name="Picture 5">
-            <a:extLst>
-              <a:ext uri="{FF2B5EF4-FFF2-40B4-BE49-F238E27FC236}">
-                <a16:creationId xmlns:a16="http://schemas.microsoft.com/office/drawing/2014/main" id="{17807BEC-079D-1CBF-89E0-ABB228FAD7CA}"/>
+          <p:cNvPr id="8" name="Content Placeholder 7" descr="A screenshot of a computer&#10;&#10;Description automatically generated">
+            <a:extLst>
+              <a:ext uri="{FF2B5EF4-FFF2-40B4-BE49-F238E27FC236}">
+                <a16:creationId xmlns:a16="http://schemas.microsoft.com/office/drawing/2014/main" id="{B44A2919-84E7-A05B-056F-E9A0AC04C468}"/>
               </a:ext>
             </a:extLst>
           </p:cNvPr>
           <p:cNvPicPr>
-            <a:picLocks/>
+            <a:picLocks noGrp="1" noChangeAspect="1"/>
           </p:cNvPicPr>
           <p:nvPr>
-            <p:custDataLst>
-              <p:tags r:id="rId1"/>
-            </p:custDataLst>
+            <p:ph idx="1"/>
           </p:nvPr>
         </p:nvPicPr>
         <p:blipFill>
-          <a:blip r:embed="rId4">
+          <a:blip r:embed="rId2">
             <a:extLst>
               <a:ext uri="{28A0092B-C50C-407E-A947-70E740481C1C}">
                 <a14:useLocalDpi xmlns:a14="http://schemas.microsoft.com/office/drawing/2010/main" val="0"/>
@@ -6685,18 +6726,100 @@
         </p:blipFill>
         <p:spPr>
           <a:xfrm>
-            <a:off x="0" y="0"/>
-            <a:ext cx="9144000" cy="6858000"/>
+            <a:off x="1101759" y="1825625"/>
+            <a:ext cx="6940482" cy="4351338"/>
           </a:xfrm>
-          <a:prstGeom prst="rect">
-            <a:avLst/>
-          </a:prstGeom>
         </p:spPr>
       </p:pic>
+      <p:sp>
+        <p:nvSpPr>
+          <p:cNvPr id="4" name="Date Placeholder 3">
+            <a:extLst>
+              <a:ext uri="{FF2B5EF4-FFF2-40B4-BE49-F238E27FC236}">
+                <a16:creationId xmlns:a16="http://schemas.microsoft.com/office/drawing/2014/main" id="{FD152A90-11FA-6FA6-9BE6-F456615CDB01}"/>
+              </a:ext>
+            </a:extLst>
+          </p:cNvPr>
+          <p:cNvSpPr>
+            <a:spLocks noGrp="1"/>
+          </p:cNvSpPr>
+          <p:nvPr>
+            <p:ph type="dt" sz="half" idx="10"/>
+          </p:nvPr>
+        </p:nvSpPr>
+        <p:spPr/>
+        <p:txBody>
+          <a:bodyPr/>
+          <a:lstStyle/>
+          <a:p>
+            <a:r>
+              <a:rPr lang="en-US"/>
+              <a:t>Fall 2023</a:t>
+            </a:r>
+          </a:p>
+        </p:txBody>
+      </p:sp>
+      <p:sp>
+        <p:nvSpPr>
+          <p:cNvPr id="5" name="Footer Placeholder 4">
+            <a:extLst>
+              <a:ext uri="{FF2B5EF4-FFF2-40B4-BE49-F238E27FC236}">
+                <a16:creationId xmlns:a16="http://schemas.microsoft.com/office/drawing/2014/main" id="{40181E29-B782-87DC-9CC4-BED4D0F88F9A}"/>
+              </a:ext>
+            </a:extLst>
+          </p:cNvPr>
+          <p:cNvSpPr>
+            <a:spLocks noGrp="1"/>
+          </p:cNvSpPr>
+          <p:nvPr>
+            <p:ph type="ftr" sz="quarter" idx="11"/>
+          </p:nvPr>
+        </p:nvSpPr>
+        <p:spPr/>
+        <p:txBody>
+          <a:bodyPr/>
+          <a:lstStyle/>
+          <a:p>
+            <a:r>
+              <a:rPr lang="en-US"/>
+              <a:t>DEPARTMENT OF BUSINESS &amp; ECONOMICS</a:t>
+            </a:r>
+          </a:p>
+        </p:txBody>
+      </p:sp>
+      <p:sp>
+        <p:nvSpPr>
+          <p:cNvPr id="6" name="Slide Number Placeholder 5">
+            <a:extLst>
+              <a:ext uri="{FF2B5EF4-FFF2-40B4-BE49-F238E27FC236}">
+                <a16:creationId xmlns:a16="http://schemas.microsoft.com/office/drawing/2014/main" id="{4E861E51-07B7-A6B8-002B-559A412E4139}"/>
+              </a:ext>
+            </a:extLst>
+          </p:cNvPr>
+          <p:cNvSpPr>
+            <a:spLocks noGrp="1"/>
+          </p:cNvSpPr>
+          <p:nvPr>
+            <p:ph type="sldNum" sz="quarter" idx="12"/>
+          </p:nvPr>
+        </p:nvSpPr>
+        <p:spPr/>
+        <p:txBody>
+          <a:bodyPr/>
+          <a:lstStyle/>
+          <a:p>
+            <a:fld id="{1A980C56-831A-4EAB-9EDE-57C090F4F877}" type="slidenum">
+              <a:rPr lang="en-US" smtClean="0"/>
+              <a:t>19</a:t>
+            </a:fld>
+            <a:endParaRPr lang="en-US"/>
+          </a:p>
+        </p:txBody>
+      </p:sp>
     </p:spTree>
     <p:extLst>
       <p:ext uri="{BB962C8B-B14F-4D97-AF65-F5344CB8AC3E}">
-        <p14:creationId xmlns:p14="http://schemas.microsoft.com/office/powerpoint/2010/main" val="1575189665"/>
+        <p14:creationId xmlns:p14="http://schemas.microsoft.com/office/powerpoint/2010/main" val="616204343"/>
       </p:ext>
     </p:extLst>
   </p:cSld>
@@ -6939,9 +7062,10 @@
           <a:lstStyle/>
           <a:p>
             <a:r>
-              <a:rPr lang="en-US" dirty="0"/>
-              <a:t>Preview</a:t>
-            </a:r>
+              <a:rPr lang="en-US" dirty="0" err="1"/>
+              <a:t>PollEverywhere</a:t>
+            </a:r>
+            <a:endParaRPr lang="en-US" dirty="0"/>
           </a:p>
         </p:txBody>
       </p:sp>
@@ -6970,67 +7094,8 @@
           <a:p>
             <a:r>
               <a:rPr lang="en-US" dirty="0"/>
-              <a:t>The next few classes will be devoted to the basic functions of Excel.</a:t>
-            </a:r>
-          </a:p>
-          <a:p>
-            <a:endParaRPr lang="en-US" sz="1200" dirty="0"/>
-          </a:p>
-          <a:p>
-            <a:r>
-              <a:rPr lang="en-US" dirty="0"/>
-              <a:t>Topics to be covered include…</a:t>
-            </a:r>
-          </a:p>
-          <a:p>
-            <a:pPr lvl="1"/>
-            <a:r>
-              <a:rPr lang="en-US" dirty="0"/>
-              <a:t>The concept of Columns, Rows, and Cells</a:t>
-            </a:r>
-          </a:p>
-          <a:p>
-            <a:pPr lvl="1"/>
-            <a:r>
-              <a:rPr lang="en-US" dirty="0"/>
-              <a:t>Inserting Data in Cells</a:t>
-            </a:r>
-          </a:p>
-          <a:p>
-            <a:pPr lvl="1"/>
-            <a:r>
-              <a:rPr lang="en-US" dirty="0"/>
-              <a:t>Selecting Multiple Cells at once</a:t>
-            </a:r>
-          </a:p>
-          <a:p>
-            <a:pPr lvl="1"/>
-            <a:r>
-              <a:rPr lang="en-US" dirty="0"/>
-              <a:t>Adding New Sheets in a Workbook</a:t>
-            </a:r>
-          </a:p>
-          <a:p>
-            <a:pPr lvl="1"/>
-            <a:r>
-              <a:rPr lang="en-US" dirty="0"/>
-              <a:t>Fonts and Sizes</a:t>
-            </a:r>
-          </a:p>
-          <a:p>
-            <a:pPr lvl="1"/>
-            <a:r>
-              <a:rPr lang="en-US" dirty="0"/>
-              <a:t>Formats</a:t>
-            </a:r>
-          </a:p>
-          <a:p>
-            <a:pPr lvl="1"/>
-            <a:endParaRPr lang="en-US" dirty="0"/>
-          </a:p>
-          <a:p>
-            <a:pPr lvl="1"/>
-            <a:endParaRPr lang="en-US" sz="1200" dirty="0"/>
+              <a:t>https://pollev.com/brianpark046</a:t>
+            </a:r>
           </a:p>
         </p:txBody>
       </p:sp>
@@ -7114,6 +7179,429 @@
             <a:fld id="{1A980C56-831A-4EAB-9EDE-57C090F4F877}" type="slidenum">
               <a:rPr lang="en-US" smtClean="0"/>
               <a:t>20</a:t>
+            </a:fld>
+            <a:endParaRPr lang="en-US"/>
+          </a:p>
+        </p:txBody>
+      </p:sp>
+      <p:pic>
+        <p:nvPicPr>
+          <p:cNvPr id="8" name="Picture 7" descr="A qr code on a white background&#10;&#10;Description automatically generated">
+            <a:extLst>
+              <a:ext uri="{FF2B5EF4-FFF2-40B4-BE49-F238E27FC236}">
+                <a16:creationId xmlns:a16="http://schemas.microsoft.com/office/drawing/2014/main" id="{2623E16C-1165-FEA6-D775-025B907AAFC0}"/>
+              </a:ext>
+            </a:extLst>
+          </p:cNvPr>
+          <p:cNvPicPr>
+            <a:picLocks noChangeAspect="1"/>
+          </p:cNvPicPr>
+          <p:nvPr/>
+        </p:nvPicPr>
+        <p:blipFill>
+          <a:blip r:embed="rId2">
+            <a:extLst>
+              <a:ext uri="{28A0092B-C50C-407E-A947-70E740481C1C}">
+                <a14:useLocalDpi xmlns:a14="http://schemas.microsoft.com/office/drawing/2010/main" val="0"/>
+              </a:ext>
+            </a:extLst>
+          </a:blip>
+          <a:stretch>
+            <a:fillRect/>
+          </a:stretch>
+        </p:blipFill>
+        <p:spPr>
+          <a:xfrm>
+            <a:off x="2769079" y="2198373"/>
+            <a:ext cx="3605842" cy="3605842"/>
+          </a:xfrm>
+          <a:prstGeom prst="rect">
+            <a:avLst/>
+          </a:prstGeom>
+        </p:spPr>
+      </p:pic>
+    </p:spTree>
+    <p:extLst>
+      <p:ext uri="{BB962C8B-B14F-4D97-AF65-F5344CB8AC3E}">
+        <p14:creationId xmlns:p14="http://schemas.microsoft.com/office/powerpoint/2010/main" val="2184492049"/>
+      </p:ext>
+    </p:extLst>
+  </p:cSld>
+  <p:clrMapOvr>
+    <a:masterClrMapping/>
+  </p:clrMapOvr>
+</p:sld>
+</file>
+
+<file path=ppt/slides/slide21.xml><?xml version="1.0" encoding="utf-8"?>
+<p:sld xmlns:a="http://schemas.openxmlformats.org/drawingml/2006/main" xmlns:r="http://schemas.openxmlformats.org/officeDocument/2006/relationships" xmlns:p="http://schemas.openxmlformats.org/presentationml/2006/main">
+  <p:cSld>
+    <p:spTree>
+      <p:nvGrpSpPr>
+        <p:cNvPr id="1" name=""/>
+        <p:cNvGrpSpPr/>
+        <p:nvPr/>
+      </p:nvGrpSpPr>
+      <p:grpSpPr>
+        <a:xfrm>
+          <a:off x="0" y="0"/>
+          <a:ext cx="0" cy="0"/>
+          <a:chOff x="0" y="0"/>
+          <a:chExt cx="0" cy="0"/>
+        </a:xfrm>
+      </p:grpSpPr>
+      <p:sp>
+        <p:nvSpPr>
+          <p:cNvPr id="2" name="Date Placeholder 1">
+            <a:extLst>
+              <a:ext uri="{FF2B5EF4-FFF2-40B4-BE49-F238E27FC236}">
+                <a16:creationId xmlns:a16="http://schemas.microsoft.com/office/drawing/2014/main" id="{9518E21D-1D5C-6A1F-50A6-9474C8198203}"/>
+              </a:ext>
+            </a:extLst>
+          </p:cNvPr>
+          <p:cNvSpPr>
+            <a:spLocks noGrp="1"/>
+          </p:cNvSpPr>
+          <p:nvPr>
+            <p:ph type="dt" sz="half" idx="10"/>
+          </p:nvPr>
+        </p:nvSpPr>
+        <p:spPr/>
+        <p:txBody>
+          <a:bodyPr/>
+          <a:lstStyle/>
+          <a:p>
+            <a:r>
+              <a:rPr lang="en-US"/>
+              <a:t>Fall 2023</a:t>
+            </a:r>
+          </a:p>
+        </p:txBody>
+      </p:sp>
+      <p:sp>
+        <p:nvSpPr>
+          <p:cNvPr id="3" name="Footer Placeholder 2">
+            <a:extLst>
+              <a:ext uri="{FF2B5EF4-FFF2-40B4-BE49-F238E27FC236}">
+                <a16:creationId xmlns:a16="http://schemas.microsoft.com/office/drawing/2014/main" id="{1A83CB42-A781-92D0-3907-4C2533B07C8D}"/>
+              </a:ext>
+            </a:extLst>
+          </p:cNvPr>
+          <p:cNvSpPr>
+            <a:spLocks noGrp="1"/>
+          </p:cNvSpPr>
+          <p:nvPr>
+            <p:ph type="ftr" sz="quarter" idx="11"/>
+          </p:nvPr>
+        </p:nvSpPr>
+        <p:spPr/>
+        <p:txBody>
+          <a:bodyPr/>
+          <a:lstStyle/>
+          <a:p>
+            <a:r>
+              <a:rPr lang="en-US"/>
+              <a:t>DEPARTMENT OF BUSINESS &amp; ECONOMICS</a:t>
+            </a:r>
+          </a:p>
+        </p:txBody>
+      </p:sp>
+      <p:sp>
+        <p:nvSpPr>
+          <p:cNvPr id="4" name="Slide Number Placeholder 3">
+            <a:extLst>
+              <a:ext uri="{FF2B5EF4-FFF2-40B4-BE49-F238E27FC236}">
+                <a16:creationId xmlns:a16="http://schemas.microsoft.com/office/drawing/2014/main" id="{4A718626-C9F2-911E-21EB-22D5558F99BC}"/>
+              </a:ext>
+            </a:extLst>
+          </p:cNvPr>
+          <p:cNvSpPr>
+            <a:spLocks noGrp="1"/>
+          </p:cNvSpPr>
+          <p:nvPr>
+            <p:ph type="sldNum" sz="quarter" idx="12"/>
+          </p:nvPr>
+        </p:nvSpPr>
+        <p:spPr/>
+        <p:txBody>
+          <a:bodyPr/>
+          <a:lstStyle/>
+          <a:p>
+            <a:fld id="{1A980C56-831A-4EAB-9EDE-57C090F4F877}" type="slidenum">
+              <a:rPr lang="en-US" smtClean="0"/>
+              <a:t>21</a:t>
+            </a:fld>
+            <a:endParaRPr lang="en-US"/>
+          </a:p>
+        </p:txBody>
+      </p:sp>
+      <p:pic>
+        <p:nvPicPr>
+          <p:cNvPr id="6" name="Picture 5">
+            <a:extLst>
+              <a:ext uri="{FF2B5EF4-FFF2-40B4-BE49-F238E27FC236}">
+                <a16:creationId xmlns:a16="http://schemas.microsoft.com/office/drawing/2014/main" id="{17807BEC-079D-1CBF-89E0-ABB228FAD7CA}"/>
+              </a:ext>
+            </a:extLst>
+          </p:cNvPr>
+          <p:cNvPicPr>
+            <a:picLocks/>
+          </p:cNvPicPr>
+          <p:nvPr>
+            <p:custDataLst>
+              <p:tags r:id="rId1"/>
+            </p:custDataLst>
+          </p:nvPr>
+        </p:nvPicPr>
+        <p:blipFill>
+          <a:blip r:embed="rId4">
+            <a:extLst>
+              <a:ext uri="{28A0092B-C50C-407E-A947-70E740481C1C}">
+                <a14:useLocalDpi xmlns:a14="http://schemas.microsoft.com/office/drawing/2010/main" val="0"/>
+              </a:ext>
+            </a:extLst>
+          </a:blip>
+          <a:stretch>
+            <a:fillRect/>
+          </a:stretch>
+        </p:blipFill>
+        <p:spPr>
+          <a:xfrm>
+            <a:off x="0" y="0"/>
+            <a:ext cx="9144000" cy="6858000"/>
+          </a:xfrm>
+          <a:prstGeom prst="rect">
+            <a:avLst/>
+          </a:prstGeom>
+        </p:spPr>
+      </p:pic>
+    </p:spTree>
+    <p:extLst>
+      <p:ext uri="{BB962C8B-B14F-4D97-AF65-F5344CB8AC3E}">
+        <p14:creationId xmlns:p14="http://schemas.microsoft.com/office/powerpoint/2010/main" val="1575189665"/>
+      </p:ext>
+    </p:extLst>
+  </p:cSld>
+  <p:clrMapOvr>
+    <a:masterClrMapping/>
+  </p:clrMapOvr>
+</p:sld>
+</file>
+
+<file path=ppt/slides/slide22.xml><?xml version="1.0" encoding="utf-8"?>
+<p:sld xmlns:a="http://schemas.openxmlformats.org/drawingml/2006/main" xmlns:r="http://schemas.openxmlformats.org/officeDocument/2006/relationships" xmlns:p="http://schemas.openxmlformats.org/presentationml/2006/main">
+  <p:cSld>
+    <p:spTree>
+      <p:nvGrpSpPr>
+        <p:cNvPr id="1" name=""/>
+        <p:cNvGrpSpPr/>
+        <p:nvPr/>
+      </p:nvGrpSpPr>
+      <p:grpSpPr>
+        <a:xfrm>
+          <a:off x="0" y="0"/>
+          <a:ext cx="0" cy="0"/>
+          <a:chOff x="0" y="0"/>
+          <a:chExt cx="0" cy="0"/>
+        </a:xfrm>
+      </p:grpSpPr>
+      <p:sp>
+        <p:nvSpPr>
+          <p:cNvPr id="2" name="Title 1">
+            <a:extLst>
+              <a:ext uri="{FF2B5EF4-FFF2-40B4-BE49-F238E27FC236}">
+                <a16:creationId xmlns:a16="http://schemas.microsoft.com/office/drawing/2014/main" id="{776B09A4-5BC9-4EA8-C267-D3B26A49D07E}"/>
+              </a:ext>
+            </a:extLst>
+          </p:cNvPr>
+          <p:cNvSpPr>
+            <a:spLocks noGrp="1"/>
+          </p:cNvSpPr>
+          <p:nvPr>
+            <p:ph type="title"/>
+          </p:nvPr>
+        </p:nvSpPr>
+        <p:spPr/>
+        <p:txBody>
+          <a:bodyPr/>
+          <a:lstStyle/>
+          <a:p>
+            <a:r>
+              <a:rPr lang="en-US" dirty="0"/>
+              <a:t>Preview</a:t>
+            </a:r>
+          </a:p>
+        </p:txBody>
+      </p:sp>
+      <p:sp>
+        <p:nvSpPr>
+          <p:cNvPr id="3" name="Content Placeholder 2">
+            <a:extLst>
+              <a:ext uri="{FF2B5EF4-FFF2-40B4-BE49-F238E27FC236}">
+                <a16:creationId xmlns:a16="http://schemas.microsoft.com/office/drawing/2014/main" id="{97FEFFAF-3949-E82D-4583-E06DA22E7204}"/>
+              </a:ext>
+            </a:extLst>
+          </p:cNvPr>
+          <p:cNvSpPr>
+            <a:spLocks noGrp="1"/>
+          </p:cNvSpPr>
+          <p:nvPr>
+            <p:ph idx="1"/>
+          </p:nvPr>
+        </p:nvSpPr>
+        <p:spPr/>
+        <p:txBody>
+          <a:bodyPr>
+            <a:normAutofit/>
+          </a:bodyPr>
+          <a:lstStyle/>
+          <a:p>
+            <a:r>
+              <a:rPr lang="en-US" dirty="0"/>
+              <a:t>The next few classes will be devoted to the basic functions of Excel.</a:t>
+            </a:r>
+          </a:p>
+          <a:p>
+            <a:endParaRPr lang="en-US" sz="1200" dirty="0"/>
+          </a:p>
+          <a:p>
+            <a:r>
+              <a:rPr lang="en-US" dirty="0"/>
+              <a:t>Topics to be covered include…</a:t>
+            </a:r>
+          </a:p>
+          <a:p>
+            <a:pPr lvl="1"/>
+            <a:r>
+              <a:rPr lang="en-US" dirty="0"/>
+              <a:t>The concept of Columns, Rows, and Cells</a:t>
+            </a:r>
+          </a:p>
+          <a:p>
+            <a:pPr lvl="1"/>
+            <a:r>
+              <a:rPr lang="en-US" dirty="0"/>
+              <a:t>Inserting Data in Cells</a:t>
+            </a:r>
+          </a:p>
+          <a:p>
+            <a:pPr lvl="1"/>
+            <a:r>
+              <a:rPr lang="en-US" dirty="0"/>
+              <a:t>Selecting Multiple Cells at once</a:t>
+            </a:r>
+          </a:p>
+          <a:p>
+            <a:pPr lvl="1"/>
+            <a:r>
+              <a:rPr lang="en-US" dirty="0"/>
+              <a:t>Adding New Sheets in a Workbook</a:t>
+            </a:r>
+          </a:p>
+          <a:p>
+            <a:pPr lvl="1"/>
+            <a:r>
+              <a:rPr lang="en-US" dirty="0"/>
+              <a:t>Fonts and Sizes</a:t>
+            </a:r>
+          </a:p>
+          <a:p>
+            <a:pPr lvl="1"/>
+            <a:r>
+              <a:rPr lang="en-US" dirty="0"/>
+              <a:t>Formats</a:t>
+            </a:r>
+          </a:p>
+          <a:p>
+            <a:pPr lvl="1"/>
+            <a:endParaRPr lang="en-US" dirty="0"/>
+          </a:p>
+          <a:p>
+            <a:pPr lvl="1"/>
+            <a:endParaRPr lang="en-US" sz="1200" dirty="0"/>
+          </a:p>
+        </p:txBody>
+      </p:sp>
+      <p:sp>
+        <p:nvSpPr>
+          <p:cNvPr id="4" name="Date Placeholder 3">
+            <a:extLst>
+              <a:ext uri="{FF2B5EF4-FFF2-40B4-BE49-F238E27FC236}">
+                <a16:creationId xmlns:a16="http://schemas.microsoft.com/office/drawing/2014/main" id="{CE725A02-EA7A-7321-8B8B-168BF05EA587}"/>
+              </a:ext>
+            </a:extLst>
+          </p:cNvPr>
+          <p:cNvSpPr>
+            <a:spLocks noGrp="1"/>
+          </p:cNvSpPr>
+          <p:nvPr>
+            <p:ph type="dt" sz="half" idx="10"/>
+          </p:nvPr>
+        </p:nvSpPr>
+        <p:spPr/>
+        <p:txBody>
+          <a:bodyPr/>
+          <a:lstStyle/>
+          <a:p>
+            <a:r>
+              <a:rPr lang="en-US"/>
+              <a:t>Fall 2023</a:t>
+            </a:r>
+          </a:p>
+        </p:txBody>
+      </p:sp>
+      <p:sp>
+        <p:nvSpPr>
+          <p:cNvPr id="5" name="Footer Placeholder 4">
+            <a:extLst>
+              <a:ext uri="{FF2B5EF4-FFF2-40B4-BE49-F238E27FC236}">
+                <a16:creationId xmlns:a16="http://schemas.microsoft.com/office/drawing/2014/main" id="{024C4429-8EF0-A6CF-DF65-1DD6365F71D2}"/>
+              </a:ext>
+            </a:extLst>
+          </p:cNvPr>
+          <p:cNvSpPr>
+            <a:spLocks noGrp="1"/>
+          </p:cNvSpPr>
+          <p:nvPr>
+            <p:ph type="ftr" sz="quarter" idx="11"/>
+          </p:nvPr>
+        </p:nvSpPr>
+        <p:spPr/>
+        <p:txBody>
+          <a:bodyPr/>
+          <a:lstStyle/>
+          <a:p>
+            <a:r>
+              <a:rPr lang="en-US"/>
+              <a:t>DEPARTMENT OF BUSINESS &amp; ECONOMICS</a:t>
+            </a:r>
+          </a:p>
+        </p:txBody>
+      </p:sp>
+      <p:sp>
+        <p:nvSpPr>
+          <p:cNvPr id="6" name="Slide Number Placeholder 5">
+            <a:extLst>
+              <a:ext uri="{FF2B5EF4-FFF2-40B4-BE49-F238E27FC236}">
+                <a16:creationId xmlns:a16="http://schemas.microsoft.com/office/drawing/2014/main" id="{E35CE67F-4580-2DF1-52D2-80C99C5F60C8}"/>
+              </a:ext>
+            </a:extLst>
+          </p:cNvPr>
+          <p:cNvSpPr>
+            <a:spLocks noGrp="1"/>
+          </p:cNvSpPr>
+          <p:nvPr>
+            <p:ph type="sldNum" sz="quarter" idx="12"/>
+          </p:nvPr>
+        </p:nvSpPr>
+        <p:spPr/>
+        <p:txBody>
+          <a:bodyPr/>
+          <a:lstStyle/>
+          <a:p>
+            <a:fld id="{1A980C56-831A-4EAB-9EDE-57C090F4F877}" type="slidenum">
+              <a:rPr lang="en-US" smtClean="0"/>
+              <a:t>22</a:t>
             </a:fld>
             <a:endParaRPr lang="en-US"/>
           </a:p>
@@ -7962,7 +8450,7 @@
             <a:pPr lvl="1"/>
             <a:r>
               <a:rPr lang="en-US" dirty="0"/>
-              <a:t>Please include “BUSI201” in the subject line.</a:t>
+              <a:t>Please include “BUSI 201” in the subject line.</a:t>
             </a:r>
           </a:p>
           <a:p>
@@ -8269,6 +8757,185 @@
             <a:fld id="{1A980C56-831A-4EAB-9EDE-57C090F4F877}" type="slidenum">
               <a:rPr lang="en-US" smtClean="0"/>
               <a:t>8</a:t>
+            </a:fld>
+            <a:endParaRPr lang="en-US"/>
+          </a:p>
+        </p:txBody>
+      </p:sp>
+      <p:pic>
+        <p:nvPicPr>
+          <p:cNvPr id="7" name="Picture 6" descr="A qr code on a white background&#10;&#10;Description automatically generated">
+            <a:extLst>
+              <a:ext uri="{FF2B5EF4-FFF2-40B4-BE49-F238E27FC236}">
+                <a16:creationId xmlns:a16="http://schemas.microsoft.com/office/drawing/2014/main" id="{4AE541C1-789A-90EB-EF38-D8110642DD95}"/>
+              </a:ext>
+            </a:extLst>
+          </p:cNvPr>
+          <p:cNvPicPr>
+            <a:picLocks noChangeAspect="1"/>
+          </p:cNvPicPr>
+          <p:nvPr/>
+        </p:nvPicPr>
+        <p:blipFill>
+          <a:blip r:embed="rId2">
+            <a:extLst>
+              <a:ext uri="{28A0092B-C50C-407E-A947-70E740481C1C}">
+                <a14:useLocalDpi xmlns:a14="http://schemas.microsoft.com/office/drawing/2010/main" val="0"/>
+              </a:ext>
+            </a:extLst>
+          </a:blip>
+          <a:stretch>
+            <a:fillRect/>
+          </a:stretch>
+        </p:blipFill>
+        <p:spPr>
+          <a:xfrm>
+            <a:off x="2346385" y="1582947"/>
+            <a:ext cx="4451230" cy="4451230"/>
+          </a:xfrm>
+          <a:prstGeom prst="rect">
+            <a:avLst/>
+          </a:prstGeom>
+        </p:spPr>
+      </p:pic>
+    </p:spTree>
+    <p:extLst>
+      <p:ext uri="{BB962C8B-B14F-4D97-AF65-F5344CB8AC3E}">
+        <p14:creationId xmlns:p14="http://schemas.microsoft.com/office/powerpoint/2010/main" val="430009618"/>
+      </p:ext>
+    </p:extLst>
+  </p:cSld>
+  <p:clrMapOvr>
+    <a:masterClrMapping/>
+  </p:clrMapOvr>
+</p:sld>
+</file>
+
+<file path=ppt/slides/slide9.xml><?xml version="1.0" encoding="utf-8"?>
+<p:sld xmlns:a="http://schemas.openxmlformats.org/drawingml/2006/main" xmlns:r="http://schemas.openxmlformats.org/officeDocument/2006/relationships" xmlns:p="http://schemas.openxmlformats.org/presentationml/2006/main">
+  <p:cSld>
+    <p:spTree>
+      <p:nvGrpSpPr>
+        <p:cNvPr id="1" name=""/>
+        <p:cNvGrpSpPr/>
+        <p:nvPr/>
+      </p:nvGrpSpPr>
+      <p:grpSpPr>
+        <a:xfrm>
+          <a:off x="0" y="0"/>
+          <a:ext cx="0" cy="0"/>
+          <a:chOff x="0" y="0"/>
+          <a:chExt cx="0" cy="0"/>
+        </a:xfrm>
+      </p:grpSpPr>
+      <p:sp>
+        <p:nvSpPr>
+          <p:cNvPr id="2" name="Title 1">
+            <a:extLst>
+              <a:ext uri="{FF2B5EF4-FFF2-40B4-BE49-F238E27FC236}">
+                <a16:creationId xmlns:a16="http://schemas.microsoft.com/office/drawing/2014/main" id="{776B09A4-5BC9-4EA8-C267-D3B26A49D07E}"/>
+              </a:ext>
+            </a:extLst>
+          </p:cNvPr>
+          <p:cNvSpPr>
+            <a:spLocks noGrp="1"/>
+          </p:cNvSpPr>
+          <p:nvPr>
+            <p:ph type="title"/>
+          </p:nvPr>
+        </p:nvSpPr>
+        <p:spPr/>
+        <p:txBody>
+          <a:bodyPr/>
+          <a:lstStyle/>
+          <a:p>
+            <a:r>
+              <a:rPr lang="en-US" dirty="0"/>
+              <a:t>Office Hours</a:t>
+            </a:r>
+          </a:p>
+        </p:txBody>
+      </p:sp>
+      <p:sp>
+        <p:nvSpPr>
+          <p:cNvPr id="4" name="Date Placeholder 3">
+            <a:extLst>
+              <a:ext uri="{FF2B5EF4-FFF2-40B4-BE49-F238E27FC236}">
+                <a16:creationId xmlns:a16="http://schemas.microsoft.com/office/drawing/2014/main" id="{CE725A02-EA7A-7321-8B8B-168BF05EA587}"/>
+              </a:ext>
+            </a:extLst>
+          </p:cNvPr>
+          <p:cNvSpPr>
+            <a:spLocks noGrp="1"/>
+          </p:cNvSpPr>
+          <p:nvPr>
+            <p:ph type="dt" sz="half" idx="10"/>
+          </p:nvPr>
+        </p:nvSpPr>
+        <p:spPr/>
+        <p:txBody>
+          <a:bodyPr/>
+          <a:lstStyle/>
+          <a:p>
+            <a:r>
+              <a:rPr lang="en-US"/>
+              <a:t>Fall 2023</a:t>
+            </a:r>
+          </a:p>
+        </p:txBody>
+      </p:sp>
+      <p:sp>
+        <p:nvSpPr>
+          <p:cNvPr id="5" name="Footer Placeholder 4">
+            <a:extLst>
+              <a:ext uri="{FF2B5EF4-FFF2-40B4-BE49-F238E27FC236}">
+                <a16:creationId xmlns:a16="http://schemas.microsoft.com/office/drawing/2014/main" id="{024C4429-8EF0-A6CF-DF65-1DD6365F71D2}"/>
+              </a:ext>
+            </a:extLst>
+          </p:cNvPr>
+          <p:cNvSpPr>
+            <a:spLocks noGrp="1"/>
+          </p:cNvSpPr>
+          <p:nvPr>
+            <p:ph type="ftr" sz="quarter" idx="11"/>
+          </p:nvPr>
+        </p:nvSpPr>
+        <p:spPr/>
+        <p:txBody>
+          <a:bodyPr/>
+          <a:lstStyle/>
+          <a:p>
+            <a:r>
+              <a:rPr lang="en-US"/>
+              <a:t>DEPARTMENT OF BUSINESS &amp; ECONOMICS</a:t>
+            </a:r>
+          </a:p>
+        </p:txBody>
+      </p:sp>
+      <p:sp>
+        <p:nvSpPr>
+          <p:cNvPr id="6" name="Slide Number Placeholder 5">
+            <a:extLst>
+              <a:ext uri="{FF2B5EF4-FFF2-40B4-BE49-F238E27FC236}">
+                <a16:creationId xmlns:a16="http://schemas.microsoft.com/office/drawing/2014/main" id="{E35CE67F-4580-2DF1-52D2-80C99C5F60C8}"/>
+              </a:ext>
+            </a:extLst>
+          </p:cNvPr>
+          <p:cNvSpPr>
+            <a:spLocks noGrp="1"/>
+          </p:cNvSpPr>
+          <p:nvPr>
+            <p:ph type="sldNum" sz="quarter" idx="12"/>
+          </p:nvPr>
+        </p:nvSpPr>
+        <p:spPr/>
+        <p:txBody>
+          <a:bodyPr/>
+          <a:lstStyle/>
+          <a:p>
+            <a:fld id="{1A980C56-831A-4EAB-9EDE-57C090F4F877}" type="slidenum">
+              <a:rPr lang="en-US" smtClean="0"/>
+              <a:t>9</a:t>
             </a:fld>
             <a:endParaRPr lang="en-US"/>
           </a:p>
@@ -8510,282 +9177,6 @@
       </p:par>
     </p:tnLst>
   </p:timing>
-</p:sld>
-</file>
-
-<file path=ppt/slides/slide9.xml><?xml version="1.0" encoding="utf-8"?>
-<p:sld xmlns:a="http://schemas.openxmlformats.org/drawingml/2006/main" xmlns:r="http://schemas.openxmlformats.org/officeDocument/2006/relationships" xmlns:p="http://schemas.openxmlformats.org/presentationml/2006/main">
-  <p:cSld>
-    <p:spTree>
-      <p:nvGrpSpPr>
-        <p:cNvPr id="1" name=""/>
-        <p:cNvGrpSpPr/>
-        <p:nvPr/>
-      </p:nvGrpSpPr>
-      <p:grpSpPr>
-        <a:xfrm>
-          <a:off x="0" y="0"/>
-          <a:ext cx="0" cy="0"/>
-          <a:chOff x="0" y="0"/>
-          <a:chExt cx="0" cy="0"/>
-        </a:xfrm>
-      </p:grpSpPr>
-      <p:sp>
-        <p:nvSpPr>
-          <p:cNvPr id="2" name="Title 1">
-            <a:extLst>
-              <a:ext uri="{FF2B5EF4-FFF2-40B4-BE49-F238E27FC236}">
-                <a16:creationId xmlns:a16="http://schemas.microsoft.com/office/drawing/2014/main" id="{A6D4615C-3DF4-634F-DEB2-48BD7736E353}"/>
-              </a:ext>
-            </a:extLst>
-          </p:cNvPr>
-          <p:cNvSpPr>
-            <a:spLocks noGrp="1"/>
-          </p:cNvSpPr>
-          <p:nvPr>
-            <p:ph type="title"/>
-          </p:nvPr>
-        </p:nvSpPr>
-        <p:spPr/>
-        <p:txBody>
-          <a:bodyPr anchor="ctr"/>
-          <a:lstStyle/>
-          <a:p>
-            <a:r>
-              <a:rPr lang="en-US" dirty="0"/>
-              <a:t>Availability</a:t>
-            </a:r>
-            <a:br>
-              <a:rPr lang="en-US" dirty="0"/>
-            </a:br>
-            <a:r>
-              <a:rPr lang="en-US" dirty="0"/>
-              <a:t>Indicator</a:t>
-            </a:r>
-          </a:p>
-        </p:txBody>
-      </p:sp>
-      <p:pic>
-        <p:nvPicPr>
-          <p:cNvPr id="9" name="Picture Placeholder 8" descr="A sign on a wall&#10;&#10;Description automatically generated">
-            <a:extLst>
-              <a:ext uri="{FF2B5EF4-FFF2-40B4-BE49-F238E27FC236}">
-                <a16:creationId xmlns:a16="http://schemas.microsoft.com/office/drawing/2014/main" id="{622B65F6-6D39-179A-48C4-9BF2D84A5434}"/>
-              </a:ext>
-            </a:extLst>
-          </p:cNvPr>
-          <p:cNvPicPr>
-            <a:picLocks noGrp="1" noChangeAspect="1"/>
-          </p:cNvPicPr>
-          <p:nvPr>
-            <p:ph type="pic" idx="1"/>
-          </p:nvPr>
-        </p:nvPicPr>
-        <p:blipFill>
-          <a:blip r:embed="rId2">
-            <a:extLst>
-              <a:ext uri="{28A0092B-C50C-407E-A947-70E740481C1C}">
-                <a14:useLocalDpi xmlns:a14="http://schemas.microsoft.com/office/drawing/2010/main" val="0"/>
-              </a:ext>
-            </a:extLst>
-          </a:blip>
-          <a:srcRect l="9575" r="9575"/>
-          <a:stretch>
-            <a:fillRect/>
-          </a:stretch>
-        </p:blipFill>
-        <p:spPr>
-          <a:xfrm>
-            <a:off x="4131200" y="1244112"/>
-            <a:ext cx="4141532" cy="4360254"/>
-          </a:xfrm>
-        </p:spPr>
-      </p:pic>
-      <p:sp>
-        <p:nvSpPr>
-          <p:cNvPr id="4" name="Text Placeholder 3">
-            <a:extLst>
-              <a:ext uri="{FF2B5EF4-FFF2-40B4-BE49-F238E27FC236}">
-                <a16:creationId xmlns:a16="http://schemas.microsoft.com/office/drawing/2014/main" id="{011338A4-B358-C6CE-BB88-88FE4E803F89}"/>
-              </a:ext>
-            </a:extLst>
-          </p:cNvPr>
-          <p:cNvSpPr>
-            <a:spLocks noGrp="1"/>
-          </p:cNvSpPr>
-          <p:nvPr>
-            <p:ph type="body" sz="half" idx="2"/>
-          </p:nvPr>
-        </p:nvSpPr>
-        <p:spPr/>
-        <p:txBody>
-          <a:bodyPr/>
-          <a:lstStyle/>
-          <a:p>
-            <a:pPr marL="285750" indent="-285750">
-              <a:buFont typeface="Arial" panose="020B0604020202020204" pitchFamily="34" charset="0"/>
-              <a:buChar char="•"/>
-            </a:pPr>
-            <a:r>
-              <a:rPr lang="en-US" dirty="0"/>
-              <a:t>Whenever it displays </a:t>
-            </a:r>
-            <a:r>
-              <a:rPr lang="en-US" dirty="0">
-                <a:solidFill>
-                  <a:srgbClr val="00B050"/>
-                </a:solidFill>
-              </a:rPr>
-              <a:t>“Please Knock”</a:t>
-            </a:r>
-            <a:r>
-              <a:rPr lang="en-US" dirty="0"/>
-              <a:t>, that means that I am available.</a:t>
-            </a:r>
-          </a:p>
-          <a:p>
-            <a:pPr marL="285750" indent="-285750">
-              <a:buFont typeface="Arial" panose="020B0604020202020204" pitchFamily="34" charset="0"/>
-              <a:buChar char="•"/>
-            </a:pPr>
-            <a:endParaRPr lang="en-US" sz="1200" dirty="0"/>
-          </a:p>
-          <a:p>
-            <a:pPr marL="285750" indent="-285750">
-              <a:buFont typeface="Arial" panose="020B0604020202020204" pitchFamily="34" charset="0"/>
-              <a:buChar char="•"/>
-            </a:pPr>
-            <a:r>
-              <a:rPr lang="en-US" dirty="0"/>
-              <a:t>When it is at </a:t>
-            </a:r>
-            <a:r>
-              <a:rPr lang="en-US" dirty="0">
-                <a:solidFill>
-                  <a:srgbClr val="0070C0"/>
-                </a:solidFill>
-              </a:rPr>
-              <a:t>“Back Soon”</a:t>
-            </a:r>
-            <a:r>
-              <a:rPr lang="en-US" dirty="0"/>
-              <a:t>, it means that I have briefly left the office, but will be back soon.</a:t>
-            </a:r>
-          </a:p>
-          <a:p>
-            <a:pPr marL="285750" indent="-285750">
-              <a:buFont typeface="Arial" panose="020B0604020202020204" pitchFamily="34" charset="0"/>
-              <a:buChar char="•"/>
-            </a:pPr>
-            <a:endParaRPr lang="en-US" sz="1200" dirty="0"/>
-          </a:p>
-          <a:p>
-            <a:pPr marL="285750" indent="-285750">
-              <a:buFont typeface="Arial" panose="020B0604020202020204" pitchFamily="34" charset="0"/>
-              <a:buChar char="•"/>
-            </a:pPr>
-            <a:r>
-              <a:rPr lang="en-US" dirty="0"/>
-              <a:t>If you see anything else, and need to talk, send me an email!</a:t>
-            </a:r>
-          </a:p>
-        </p:txBody>
-      </p:sp>
-      <p:sp>
-        <p:nvSpPr>
-          <p:cNvPr id="5" name="Date Placeholder 4">
-            <a:extLst>
-              <a:ext uri="{FF2B5EF4-FFF2-40B4-BE49-F238E27FC236}">
-                <a16:creationId xmlns:a16="http://schemas.microsoft.com/office/drawing/2014/main" id="{0E51A1B7-AA3F-885D-08EA-BF51CBA2C1C8}"/>
-              </a:ext>
-            </a:extLst>
-          </p:cNvPr>
-          <p:cNvSpPr>
-            <a:spLocks noGrp="1"/>
-          </p:cNvSpPr>
-          <p:nvPr>
-            <p:ph type="dt" sz="half" idx="10"/>
-          </p:nvPr>
-        </p:nvSpPr>
-        <p:spPr/>
-        <p:txBody>
-          <a:bodyPr/>
-          <a:lstStyle/>
-          <a:p>
-            <a:r>
-              <a:rPr lang="en-US"/>
-              <a:t>Fall 2023</a:t>
-            </a:r>
-          </a:p>
-        </p:txBody>
-      </p:sp>
-      <p:sp>
-        <p:nvSpPr>
-          <p:cNvPr id="6" name="Footer Placeholder 5">
-            <a:extLst>
-              <a:ext uri="{FF2B5EF4-FFF2-40B4-BE49-F238E27FC236}">
-                <a16:creationId xmlns:a16="http://schemas.microsoft.com/office/drawing/2014/main" id="{ED020EE8-CA12-C686-E701-5AB230ADA427}"/>
-              </a:ext>
-            </a:extLst>
-          </p:cNvPr>
-          <p:cNvSpPr>
-            <a:spLocks noGrp="1"/>
-          </p:cNvSpPr>
-          <p:nvPr>
-            <p:ph type="ftr" sz="quarter" idx="11"/>
-          </p:nvPr>
-        </p:nvSpPr>
-        <p:spPr/>
-        <p:txBody>
-          <a:bodyPr/>
-          <a:lstStyle/>
-          <a:p>
-            <a:r>
-              <a:rPr lang="en-US"/>
-              <a:t>DEPARTMENT OF BUSINESS &amp; ECONOMICS</a:t>
-            </a:r>
-          </a:p>
-        </p:txBody>
-      </p:sp>
-      <p:sp>
-        <p:nvSpPr>
-          <p:cNvPr id="7" name="Slide Number Placeholder 6">
-            <a:extLst>
-              <a:ext uri="{FF2B5EF4-FFF2-40B4-BE49-F238E27FC236}">
-                <a16:creationId xmlns:a16="http://schemas.microsoft.com/office/drawing/2014/main" id="{EF45FC76-F6A8-D9DA-9949-AED9F5EA521E}"/>
-              </a:ext>
-            </a:extLst>
-          </p:cNvPr>
-          <p:cNvSpPr>
-            <a:spLocks noGrp="1"/>
-          </p:cNvSpPr>
-          <p:nvPr>
-            <p:ph type="sldNum" sz="quarter" idx="12"/>
-          </p:nvPr>
-        </p:nvSpPr>
-        <p:spPr/>
-        <p:txBody>
-          <a:bodyPr/>
-          <a:lstStyle/>
-          <a:p>
-            <a:fld id="{1A980C56-831A-4EAB-9EDE-57C090F4F877}" type="slidenum">
-              <a:rPr lang="en-US" smtClean="0"/>
-              <a:t>9</a:t>
-            </a:fld>
-            <a:endParaRPr lang="en-US"/>
-          </a:p>
-        </p:txBody>
-      </p:sp>
-    </p:spTree>
-    <p:extLst>
-      <p:ext uri="{BB962C8B-B14F-4D97-AF65-F5344CB8AC3E}">
-        <p14:creationId xmlns:p14="http://schemas.microsoft.com/office/powerpoint/2010/main" val="872575912"/>
-      </p:ext>
-    </p:extLst>
-  </p:cSld>
-  <p:clrMapOvr>
-    <a:masterClrMapping/>
-  </p:clrMapOvr>
 </p:sld>
 </file>
 
